--- a/project_3/results/Urban Ministries of Durham.pptx
+++ b/project_3/results/Urban Ministries of Durham.pptx
@@ -116,6 +116,11 @@
       </a:defRPr>
     </a:lvl9pPr>
   </p:defaultTextStyle>
+  <p:extLst>
+    <p:ext uri="{EFAFB233-063F-42B5-8137-9DF3F51BA10A}">
+      <p15:sldGuideLst xmlns:p15="http://schemas.microsoft.com/office/powerpoint/2012/main"/>
+    </p:ext>
+  </p:extLst>
 </p:presentation>
 </file>
 
@@ -201,7 +206,7 @@
           <a:p>
             <a:fld id="{18B5403E-57A9-4681-8307-02D42EADBDF9}" type="datetimeFigureOut">
               <a:rPr lang="en-US" smtClean="0"/>
-              <a:t>11/27/2019</a:t>
+              <a:t>12/1/2019</a:t>
             </a:fld>
             <a:endParaRPr lang="en-US"/>
           </a:p>
@@ -712,7 +717,7 @@
           <a:p>
             <a:fld id="{A5D18841-D35E-49E4-B08F-B0F319EA6C32}" type="datetime1">
               <a:rPr lang="en-US" smtClean="0"/>
-              <a:t>11/27/2019</a:t>
+              <a:t>12/1/2019</a:t>
             </a:fld>
             <a:endParaRPr lang="en-US" dirty="0"/>
           </a:p>
@@ -900,7 +905,7 @@
           <a:p>
             <a:fld id="{614D3D92-0FBA-4E11-A175-B779247F66F6}" type="datetime1">
               <a:rPr lang="en-US" smtClean="0"/>
-              <a:t>11/27/2019</a:t>
+              <a:t>12/1/2019</a:t>
             </a:fld>
             <a:endParaRPr lang="en-US" dirty="0"/>
           </a:p>
@@ -1142,7 +1147,7 @@
           <a:p>
             <a:fld id="{4D050A8F-1CCA-4B23-A874-619A057F5DA7}" type="datetime1">
               <a:rPr lang="en-US" smtClean="0"/>
-              <a:t>11/27/2019</a:t>
+              <a:t>12/1/2019</a:t>
             </a:fld>
             <a:endParaRPr lang="en-US" dirty="0"/>
           </a:p>
@@ -1330,7 +1335,7 @@
           <a:p>
             <a:fld id="{C29E75ED-1B01-4633-9BEE-BEBD7DE2750C}" type="datetime1">
               <a:rPr lang="en-US" smtClean="0"/>
-              <a:t>11/27/2019</a:t>
+              <a:t>12/1/2019</a:t>
             </a:fld>
             <a:endParaRPr lang="en-US" dirty="0"/>
           </a:p>
@@ -1703,7 +1708,7 @@
           <a:p>
             <a:fld id="{8625B65C-90DE-4F07-AC0D-8AEB489B5ACA}" type="datetime1">
               <a:rPr lang="en-US" smtClean="0"/>
-              <a:t>11/27/2019</a:t>
+              <a:t>12/1/2019</a:t>
             </a:fld>
             <a:endParaRPr lang="en-US" dirty="0"/>
           </a:p>
@@ -1958,7 +1963,7 @@
           <a:p>
             <a:fld id="{D3F31567-6C56-4BE8-A585-14849EB44A06}" type="datetime1">
               <a:rPr lang="en-US" smtClean="0"/>
-              <a:t>11/27/2019</a:t>
+              <a:t>12/1/2019</a:t>
             </a:fld>
             <a:endParaRPr lang="en-US" dirty="0"/>
           </a:p>
@@ -2355,7 +2360,7 @@
           <a:p>
             <a:fld id="{08FF8E53-752E-4B33-83A3-78A651EBE9A3}" type="datetime1">
               <a:rPr lang="en-US" smtClean="0"/>
-              <a:t>11/27/2019</a:t>
+              <a:t>12/1/2019</a:t>
             </a:fld>
             <a:endParaRPr lang="en-US" dirty="0"/>
           </a:p>
@@ -2491,7 +2496,7 @@
           <a:p>
             <a:fld id="{2E21BBA6-2B3E-4254-A979-658F387C44B5}" type="datetime1">
               <a:rPr lang="en-US" smtClean="0"/>
-              <a:t>11/27/2019</a:t>
+              <a:t>12/1/2019</a:t>
             </a:fld>
             <a:endParaRPr lang="en-US" dirty="0"/>
           </a:p>
@@ -2648,7 +2653,7 @@
           <a:p>
             <a:fld id="{2C4B7778-6E6E-4216-BE25-80D66FFE8488}" type="datetime1">
               <a:rPr lang="en-US" smtClean="0"/>
-              <a:t>11/27/2019</a:t>
+              <a:t>12/1/2019</a:t>
             </a:fld>
             <a:endParaRPr lang="en-US" dirty="0"/>
           </a:p>
@@ -2977,7 +2982,7 @@
           <a:p>
             <a:fld id="{CF5D2C5D-F8AB-4380-BBCB-A1EF9F9FF230}" type="datetime1">
               <a:rPr lang="en-US" smtClean="0"/>
-              <a:t>11/27/2019</a:t>
+              <a:t>12/1/2019</a:t>
             </a:fld>
             <a:endParaRPr lang="en-US" dirty="0"/>
           </a:p>
@@ -3327,7 +3332,7 @@
           <a:p>
             <a:fld id="{836F2DEA-6244-44F9-9909-08A94EC5343A}" type="datetime1">
               <a:rPr lang="en-US" smtClean="0"/>
-              <a:t>11/27/2019</a:t>
+              <a:t>12/1/2019</a:t>
             </a:fld>
             <a:endParaRPr lang="en-US" dirty="0"/>
           </a:p>
@@ -3588,7 +3593,7 @@
           <a:p>
             <a:fld id="{34B78C4F-2408-44AB-BE15-E616C757C261}" type="datetime1">
               <a:rPr lang="en-US" smtClean="0"/>
-              <a:t>11/27/2019</a:t>
+              <a:t>12/1/2019</a:t>
             </a:fld>
             <a:endParaRPr lang="en-US" dirty="0"/>
           </a:p>
@@ -4119,204 +4124,12 @@
           <a:chExt cx="0" cy="0"/>
         </a:xfrm>
       </p:grpSpPr>
-      <p:sp useBgFill="1">
-        <p:nvSpPr>
-          <p:cNvPr id="25" name="Rectangle 19">
-            <a:extLst>
-              <a:ext uri="{FF2B5EF4-FFF2-40B4-BE49-F238E27FC236}">
-                <a16:creationId xmlns:a16="http://schemas.microsoft.com/office/drawing/2014/main" id="{8C6E698C-8155-4B8B-BDC9-B7299772B509}"/>
-              </a:ext>
-              <a:ext uri="{C183D7F6-B498-43B3-948B-1728B52AA6E4}">
-                <adec:decorative xmlns:adec="http://schemas.microsoft.com/office/drawing/2017/decorative" val="1"/>
-              </a:ext>
-            </a:extLst>
-          </p:cNvPr>
-          <p:cNvSpPr>
-            <a:spLocks noGrp="1" noRot="1" noChangeAspect="1" noMove="1" noResize="1" noEditPoints="1" noAdjustHandles="1" noChangeArrowheads="1" noChangeShapeType="1" noTextEdit="1"/>
-          </p:cNvSpPr>
-          <p:nvPr>
-            <p:extLst>
-              <p:ext uri="{386F3935-93C4-4BCD-93E2-E3B085C9AB24}">
-                <p16:designElem xmlns:p16="http://schemas.microsoft.com/office/powerpoint/2015/main" val="1"/>
-              </p:ext>
-            </p:extLst>
-          </p:nvPr>
-        </p:nvSpPr>
-        <p:spPr>
-          <a:xfrm>
-            <a:off x="0" y="0"/>
-            <a:ext cx="12188952" cy="6858000"/>
-          </a:xfrm>
-          <a:prstGeom prst="rect">
-            <a:avLst/>
-          </a:prstGeom>
-          <a:ln>
-            <a:noFill/>
-          </a:ln>
-        </p:spPr>
-        <p:style>
-          <a:lnRef idx="2">
-            <a:schemeClr val="accent1">
-              <a:shade val="50000"/>
-            </a:schemeClr>
-          </a:lnRef>
-          <a:fillRef idx="1">
-            <a:schemeClr val="accent1"/>
-          </a:fillRef>
-          <a:effectRef idx="0">
-            <a:schemeClr val="accent1"/>
-          </a:effectRef>
-          <a:fontRef idx="minor">
-            <a:schemeClr val="lt1"/>
-          </a:fontRef>
-        </p:style>
-        <p:txBody>
-          <a:bodyPr rtlCol="0" anchor="ctr"/>
-          <a:lstStyle/>
-          <a:p>
-            <a:pPr algn="ctr"/>
-            <a:endParaRPr lang="en-US"/>
-          </a:p>
-        </p:txBody>
-      </p:sp>
-      <p:sp>
-        <p:nvSpPr>
-          <p:cNvPr id="2" name="Title 1">
-            <a:extLst>
-              <a:ext uri="{FF2B5EF4-FFF2-40B4-BE49-F238E27FC236}">
-                <a16:creationId xmlns:a16="http://schemas.microsoft.com/office/drawing/2014/main" id="{B1FC19BF-D31F-43AB-AE1C-0BC6E51CEFBE}"/>
-              </a:ext>
-            </a:extLst>
-          </p:cNvPr>
-          <p:cNvSpPr>
-            <a:spLocks noGrp="1"/>
-          </p:cNvSpPr>
-          <p:nvPr>
-            <p:ph type="ctrTitle"/>
-          </p:nvPr>
-        </p:nvSpPr>
-        <p:spPr>
-          <a:xfrm>
-            <a:off x="965201" y="643467"/>
-            <a:ext cx="6255026" cy="5054008"/>
-          </a:xfrm>
-        </p:spPr>
-        <p:txBody>
-          <a:bodyPr anchor="ctr">
-            <a:normAutofit/>
-          </a:bodyPr>
-          <a:lstStyle/>
-          <a:p>
-            <a:pPr algn="r"/>
-            <a:r>
-              <a:rPr lang="en-US"/>
-              <a:t>Urban Ministries of Durham</a:t>
-            </a:r>
-          </a:p>
-        </p:txBody>
-      </p:sp>
-      <p:sp>
-        <p:nvSpPr>
-          <p:cNvPr id="3" name="Subtitle 2">
-            <a:extLst>
-              <a:ext uri="{FF2B5EF4-FFF2-40B4-BE49-F238E27FC236}">
-                <a16:creationId xmlns:a16="http://schemas.microsoft.com/office/drawing/2014/main" id="{33AF81A5-4466-49A1-A162-6EA9E79CB4D9}"/>
-              </a:ext>
-            </a:extLst>
-          </p:cNvPr>
-          <p:cNvSpPr>
-            <a:spLocks noGrp="1"/>
-          </p:cNvSpPr>
-          <p:nvPr>
-            <p:ph type="subTitle" idx="1"/>
-          </p:nvPr>
-        </p:nvSpPr>
-        <p:spPr>
-          <a:xfrm>
-            <a:off x="7870995" y="643467"/>
-            <a:ext cx="3341488" cy="5054008"/>
-          </a:xfrm>
-        </p:spPr>
-        <p:txBody>
-          <a:bodyPr anchor="ctr">
-            <a:normAutofit/>
-          </a:bodyPr>
-          <a:lstStyle/>
-          <a:p>
-            <a:r>
-              <a:rPr lang="en-US" dirty="0"/>
-              <a:t>By Jesus E. Vazquez</a:t>
-            </a:r>
-          </a:p>
-          <a:p>
-            <a:r>
-              <a:rPr lang="en-US" dirty="0"/>
-              <a:t>Prepared for BIOS 611</a:t>
-            </a:r>
-          </a:p>
-        </p:txBody>
-      </p:sp>
-      <p:cxnSp>
-        <p:nvCxnSpPr>
-          <p:cNvPr id="26" name="Straight Connector 21">
-            <a:extLst>
-              <a:ext uri="{FF2B5EF4-FFF2-40B4-BE49-F238E27FC236}">
-                <a16:creationId xmlns:a16="http://schemas.microsoft.com/office/drawing/2014/main" id="{09525C9A-1972-4836-BA7A-706C946EF4DA}"/>
-              </a:ext>
-              <a:ext uri="{C183D7F6-B498-43B3-948B-1728B52AA6E4}">
-                <adec:decorative xmlns:adec="http://schemas.microsoft.com/office/drawing/2017/decorative" val="1"/>
-              </a:ext>
-            </a:extLst>
-          </p:cNvPr>
-          <p:cNvCxnSpPr>
-            <a:cxnSpLocks noGrp="1" noRot="1" noChangeAspect="1" noMove="1" noResize="1" noEditPoints="1" noAdjustHandles="1" noChangeArrowheads="1" noChangeShapeType="1"/>
-          </p:cNvCxnSpPr>
-          <p:nvPr>
-            <p:extLst>
-              <p:ext uri="{386F3935-93C4-4BCD-93E2-E3B085C9AB24}">
-                <p16:designElem xmlns:p16="http://schemas.microsoft.com/office/powerpoint/2015/main" val="1"/>
-              </p:ext>
-            </p:extLst>
-          </p:nvPr>
-        </p:nvCxnSpPr>
-        <p:spPr>
-          <a:xfrm>
-            <a:off x="7534656" y="1391367"/>
-            <a:ext cx="0" cy="3558208"/>
-          </a:xfrm>
-          <a:prstGeom prst="line">
-            <a:avLst/>
-          </a:prstGeom>
-          <a:ln>
-            <a:solidFill>
-              <a:schemeClr val="tx1">
-                <a:lumMod val="75000"/>
-                <a:lumOff val="25000"/>
-              </a:schemeClr>
-            </a:solidFill>
-          </a:ln>
-        </p:spPr>
-        <p:style>
-          <a:lnRef idx="1">
-            <a:schemeClr val="accent1"/>
-          </a:lnRef>
-          <a:fillRef idx="0">
-            <a:schemeClr val="accent1"/>
-          </a:fillRef>
-          <a:effectRef idx="0">
-            <a:schemeClr val="accent1"/>
-          </a:effectRef>
-          <a:fontRef idx="minor">
-            <a:schemeClr val="tx1"/>
-          </a:fontRef>
-        </p:style>
-      </p:cxnSp>
-      <p:sp>
-        <p:nvSpPr>
-          <p:cNvPr id="24" name="Rectangle 23">
-            <a:extLst>
-              <a:ext uri="{FF2B5EF4-FFF2-40B4-BE49-F238E27FC236}">
-                <a16:creationId xmlns:a16="http://schemas.microsoft.com/office/drawing/2014/main" id="{B624C8D3-B9AD-4F4F-8554-4EAF3724DBCE}"/>
+      <p:sp>
+        <p:nvSpPr>
+          <p:cNvPr id="39" name="Rectangle 30">
+            <a:extLst>
+              <a:ext uri="{FF2B5EF4-FFF2-40B4-BE49-F238E27FC236}">
+                <a16:creationId xmlns:a16="http://schemas.microsoft.com/office/drawing/2014/main" id="{416A0E3C-60E6-4F39-BC55-5F7C224E1F7C}"/>
               </a:ext>
               <a:ext uri="{C183D7F6-B498-43B3-948B-1728B52AA6E4}">
                 <adec:decorative xmlns:adec="http://schemas.microsoft.com/office/drawing/2017/decorative" val="1"/>
@@ -4366,6 +4179,302 @@
           </a:fontRef>
         </p:style>
       </p:sp>
+      <p:cxnSp>
+        <p:nvCxnSpPr>
+          <p:cNvPr id="40" name="Straight Connector 32">
+            <a:extLst>
+              <a:ext uri="{FF2B5EF4-FFF2-40B4-BE49-F238E27FC236}">
+                <a16:creationId xmlns:a16="http://schemas.microsoft.com/office/drawing/2014/main" id="{C5025DAC-8B93-4160-B017-3A274A5828C0}"/>
+              </a:ext>
+              <a:ext uri="{C183D7F6-B498-43B3-948B-1728B52AA6E4}">
+                <adec:decorative xmlns:adec="http://schemas.microsoft.com/office/drawing/2017/decorative" val="1"/>
+              </a:ext>
+            </a:extLst>
+          </p:cNvPr>
+          <p:cNvCxnSpPr>
+            <a:cxnSpLocks noGrp="1" noRot="1" noChangeAspect="1" noMove="1" noResize="1" noEditPoints="1" noAdjustHandles="1" noChangeArrowheads="1" noChangeShapeType="1"/>
+          </p:cNvCxnSpPr>
+          <p:nvPr>
+            <p:extLst>
+              <p:ext uri="{386F3935-93C4-4BCD-93E2-E3B085C9AB24}">
+                <p16:designElem xmlns:p16="http://schemas.microsoft.com/office/powerpoint/2015/main" val="1"/>
+              </p:ext>
+            </p:extLst>
+          </p:nvPr>
+        </p:nvCxnSpPr>
+        <p:spPr>
+          <a:xfrm>
+            <a:off x="1193532" y="1897380"/>
+            <a:ext cx="9966960" cy="0"/>
+          </a:xfrm>
+          <a:prstGeom prst="line">
+            <a:avLst/>
+          </a:prstGeom>
+          <a:ln w="12700">
+            <a:solidFill>
+              <a:schemeClr val="tx1">
+                <a:lumMod val="75000"/>
+                <a:lumOff val="25000"/>
+              </a:schemeClr>
+            </a:solidFill>
+          </a:ln>
+        </p:spPr>
+        <p:style>
+          <a:lnRef idx="1">
+            <a:schemeClr val="accent1"/>
+          </a:lnRef>
+          <a:fillRef idx="0">
+            <a:schemeClr val="accent1"/>
+          </a:fillRef>
+          <a:effectRef idx="0">
+            <a:schemeClr val="accent1"/>
+          </a:effectRef>
+          <a:fontRef idx="minor">
+            <a:schemeClr val="tx1"/>
+          </a:fontRef>
+        </p:style>
+      </p:cxnSp>
+      <p:sp useBgFill="1">
+        <p:nvSpPr>
+          <p:cNvPr id="41" name="Rectangle 34">
+            <a:extLst>
+              <a:ext uri="{FF2B5EF4-FFF2-40B4-BE49-F238E27FC236}">
+                <a16:creationId xmlns:a16="http://schemas.microsoft.com/office/drawing/2014/main" id="{C8DD82D3-D002-45B0-B16A-82B3DA4EFDDB}"/>
+              </a:ext>
+              <a:ext uri="{C183D7F6-B498-43B3-948B-1728B52AA6E4}">
+                <adec:decorative xmlns:adec="http://schemas.microsoft.com/office/drawing/2017/decorative" val="1"/>
+              </a:ext>
+            </a:extLst>
+          </p:cNvPr>
+          <p:cNvSpPr>
+            <a:spLocks noGrp="1" noRot="1" noChangeAspect="1" noMove="1" noResize="1" noEditPoints="1" noAdjustHandles="1" noChangeArrowheads="1" noChangeShapeType="1" noTextEdit="1"/>
+          </p:cNvSpPr>
+          <p:nvPr>
+            <p:extLst>
+              <p:ext uri="{386F3935-93C4-4BCD-93E2-E3B085C9AB24}">
+                <p16:designElem xmlns:p16="http://schemas.microsoft.com/office/powerpoint/2015/main" val="1"/>
+              </p:ext>
+            </p:extLst>
+          </p:nvPr>
+        </p:nvSpPr>
+        <p:spPr>
+          <a:xfrm>
+            <a:off x="3175" y="0"/>
+            <a:ext cx="12188952" cy="6858000"/>
+          </a:xfrm>
+          <a:prstGeom prst="rect">
+            <a:avLst/>
+          </a:prstGeom>
+          <a:ln>
+            <a:noFill/>
+          </a:ln>
+        </p:spPr>
+        <p:style>
+          <a:lnRef idx="2">
+            <a:schemeClr val="accent1">
+              <a:shade val="50000"/>
+            </a:schemeClr>
+          </a:lnRef>
+          <a:fillRef idx="1">
+            <a:schemeClr val="accent1"/>
+          </a:fillRef>
+          <a:effectRef idx="0">
+            <a:schemeClr val="accent1"/>
+          </a:effectRef>
+          <a:fontRef idx="minor">
+            <a:schemeClr val="lt1"/>
+          </a:fontRef>
+        </p:style>
+        <p:txBody>
+          <a:bodyPr rtlCol="0" anchor="ctr"/>
+          <a:lstStyle/>
+          <a:p>
+            <a:pPr algn="ctr"/>
+            <a:endParaRPr lang="en-US"/>
+          </a:p>
+        </p:txBody>
+      </p:sp>
+      <p:sp>
+        <p:nvSpPr>
+          <p:cNvPr id="2" name="Title 1">
+            <a:extLst>
+              <a:ext uri="{FF2B5EF4-FFF2-40B4-BE49-F238E27FC236}">
+                <a16:creationId xmlns:a16="http://schemas.microsoft.com/office/drawing/2014/main" id="{B1FC19BF-D31F-43AB-AE1C-0BC6E51CEFBE}"/>
+              </a:ext>
+            </a:extLst>
+          </p:cNvPr>
+          <p:cNvSpPr>
+            <a:spLocks noGrp="1"/>
+          </p:cNvSpPr>
+          <p:nvPr>
+            <p:ph type="ctrTitle"/>
+          </p:nvPr>
+        </p:nvSpPr>
+        <p:spPr>
+          <a:xfrm>
+            <a:off x="949047" y="643466"/>
+            <a:ext cx="3129263" cy="5470463"/>
+          </a:xfrm>
+        </p:spPr>
+        <p:txBody>
+          <a:bodyPr vert="horz" lIns="91440" tIns="45720" rIns="91440" bIns="45720" rtlCol="0" anchor="ctr">
+            <a:normAutofit/>
+          </a:bodyPr>
+          <a:lstStyle/>
+          <a:p>
+            <a:r>
+              <a:rPr lang="en-US" sz="4800" dirty="0">
+                <a:solidFill>
+                  <a:schemeClr val="tx1">
+                    <a:lumMod val="75000"/>
+                    <a:lumOff val="25000"/>
+                  </a:schemeClr>
+                </a:solidFill>
+              </a:rPr>
+              <a:t>Urban Ministries of Durham</a:t>
+            </a:r>
+          </a:p>
+        </p:txBody>
+      </p:sp>
+      <p:cxnSp>
+        <p:nvCxnSpPr>
+          <p:cNvPr id="42" name="Straight Connector 36">
+            <a:extLst>
+              <a:ext uri="{FF2B5EF4-FFF2-40B4-BE49-F238E27FC236}">
+                <a16:creationId xmlns:a16="http://schemas.microsoft.com/office/drawing/2014/main" id="{9F09C252-16FE-4557-AD6D-BB5CA773496C}"/>
+              </a:ext>
+              <a:ext uri="{C183D7F6-B498-43B3-948B-1728B52AA6E4}">
+                <adec:decorative xmlns:adec="http://schemas.microsoft.com/office/drawing/2017/decorative" val="1"/>
+              </a:ext>
+            </a:extLst>
+          </p:cNvPr>
+          <p:cNvCxnSpPr>
+            <a:cxnSpLocks noGrp="1" noRot="1" noChangeAspect="1" noMove="1" noResize="1" noEditPoints="1" noAdjustHandles="1" noChangeArrowheads="1" noChangeShapeType="1"/>
+          </p:cNvCxnSpPr>
+          <p:nvPr>
+            <p:extLst>
+              <p:ext uri="{386F3935-93C4-4BCD-93E2-E3B085C9AB24}">
+                <p16:designElem xmlns:p16="http://schemas.microsoft.com/office/powerpoint/2015/main" val="1"/>
+              </p:ext>
+            </p:extLst>
+          </p:nvPr>
+        </p:nvCxnSpPr>
+        <p:spPr>
+          <a:xfrm>
+            <a:off x="4042053" y="1778497"/>
+            <a:ext cx="0" cy="3200400"/>
+          </a:xfrm>
+          <a:prstGeom prst="line">
+            <a:avLst/>
+          </a:prstGeom>
+          <a:ln w="19050">
+            <a:solidFill>
+              <a:schemeClr val="tx1"/>
+            </a:solidFill>
+            <a:miter lim="800000"/>
+          </a:ln>
+        </p:spPr>
+        <p:style>
+          <a:lnRef idx="1">
+            <a:schemeClr val="accent1"/>
+          </a:lnRef>
+          <a:fillRef idx="0">
+            <a:schemeClr val="accent1"/>
+          </a:fillRef>
+          <a:effectRef idx="0">
+            <a:schemeClr val="accent1"/>
+          </a:effectRef>
+          <a:fontRef idx="minor">
+            <a:schemeClr val="tx1"/>
+          </a:fontRef>
+        </p:style>
+      </p:cxnSp>
+      <p:sp>
+        <p:nvSpPr>
+          <p:cNvPr id="3" name="Subtitle 2">
+            <a:extLst>
+              <a:ext uri="{FF2B5EF4-FFF2-40B4-BE49-F238E27FC236}">
+                <a16:creationId xmlns:a16="http://schemas.microsoft.com/office/drawing/2014/main" id="{33AF81A5-4466-49A1-A162-6EA9E79CB4D9}"/>
+              </a:ext>
+            </a:extLst>
+          </p:cNvPr>
+          <p:cNvSpPr>
+            <a:spLocks noGrp="1"/>
+          </p:cNvSpPr>
+          <p:nvPr>
+            <p:ph type="subTitle" idx="1"/>
+          </p:nvPr>
+        </p:nvSpPr>
+        <p:spPr>
+          <a:xfrm>
+            <a:off x="4322795" y="643466"/>
+            <a:ext cx="6924197" cy="5470462"/>
+          </a:xfrm>
+        </p:spPr>
+        <p:txBody>
+          <a:bodyPr vert="horz" lIns="0" tIns="45720" rIns="0" bIns="45720" rtlCol="0" anchor="ctr">
+            <a:normAutofit/>
+          </a:bodyPr>
+          <a:lstStyle/>
+          <a:p>
+            <a:pPr>
+              <a:lnSpc>
+                <a:spcPct val="100000"/>
+              </a:lnSpc>
+            </a:pPr>
+            <a:r>
+              <a:rPr lang="en-US" dirty="0">
+                <a:solidFill>
+                  <a:schemeClr val="tx1">
+                    <a:lumMod val="75000"/>
+                    <a:lumOff val="25000"/>
+                  </a:schemeClr>
+                </a:solidFill>
+                <a:latin typeface="Bahnschrift (Headings)"/>
+              </a:rPr>
+              <a:t>Jesus E. Vazquez</a:t>
+            </a:r>
+          </a:p>
+          <a:p>
+            <a:pPr>
+              <a:lnSpc>
+                <a:spcPct val="100000"/>
+              </a:lnSpc>
+            </a:pPr>
+            <a:r>
+              <a:rPr lang="en-US" dirty="0">
+                <a:solidFill>
+                  <a:schemeClr val="tx1">
+                    <a:lumMod val="75000"/>
+                    <a:lumOff val="25000"/>
+                  </a:schemeClr>
+                </a:solidFill>
+                <a:latin typeface="Bahnschrift (Headings)"/>
+              </a:rPr>
+              <a:t>12-04-2019</a:t>
+            </a:r>
+          </a:p>
+          <a:p>
+            <a:pPr>
+              <a:lnSpc>
+                <a:spcPct val="100000"/>
+              </a:lnSpc>
+            </a:pPr>
+            <a:r>
+              <a:rPr lang="en-US" dirty="0">
+                <a:solidFill>
+                  <a:schemeClr val="tx1">
+                    <a:lumMod val="75000"/>
+                    <a:lumOff val="25000"/>
+                  </a:schemeClr>
+                </a:solidFill>
+                <a:latin typeface="Bahnschrift (Headings)"/>
+              </a:rPr>
+              <a:t>Project 3 - BIOS 611</a:t>
+            </a:r>
+          </a:p>
+        </p:txBody>
+      </p:sp>
       <p:sp>
         <p:nvSpPr>
           <p:cNvPr id="5" name="Slide Number Placeholder 4">
@@ -4382,16 +4491,41 @@
             <p:ph type="sldNum" sz="quarter" idx="12"/>
           </p:nvPr>
         </p:nvSpPr>
-        <p:spPr/>
-        <p:txBody>
-          <a:bodyPr/>
-          <a:lstStyle/>
-          <a:p>
+        <p:spPr>
+          <a:xfrm>
+            <a:off x="10993582" y="6446838"/>
+            <a:ext cx="780010" cy="365125"/>
+          </a:xfrm>
+        </p:spPr>
+        <p:txBody>
+          <a:bodyPr vert="horz" lIns="91440" tIns="45720" rIns="91440" bIns="45720" rtlCol="0" anchor="ctr">
+            <a:normAutofit/>
+          </a:bodyPr>
+          <a:lstStyle/>
+          <a:p>
+            <a:pPr>
+              <a:spcAft>
+                <a:spcPts val="600"/>
+              </a:spcAft>
+            </a:pPr>
             <a:fld id="{3A98EE3D-8CD1-4C3F-BD1C-C98C9596463C}" type="slidenum">
-              <a:rPr lang="en-US" smtClean="0"/>
+              <a:rPr lang="en-US" sz="1050">
+                <a:solidFill>
+                  <a:schemeClr val="tx1"/>
+                </a:solidFill>
+              </a:rPr>
+              <a:pPr>
+                <a:spcAft>
+                  <a:spcPts val="600"/>
+                </a:spcAft>
+              </a:pPr>
               <a:t>1</a:t>
             </a:fld>
-            <a:endParaRPr lang="en-US" dirty="0"/>
+            <a:endParaRPr lang="en-US" sz="1050">
+              <a:solidFill>
+                <a:schemeClr val="tx1"/>
+              </a:solidFill>
+            </a:endParaRPr>
           </a:p>
         </p:txBody>
       </p:sp>
@@ -4403,7 +4537,7 @@
     </p:extLst>
   </p:cSld>
   <p:clrMapOvr>
-    <a:masterClrMapping/>
+    <a:overrideClrMapping bg1="dk1" tx1="lt1" bg2="dk2" tx2="lt2" accent1="accent1" accent2="accent2" accent3="accent3" accent4="accent4" accent5="accent5" accent6="accent6" hlink="hlink" folHlink="folHlink"/>
   </p:clrMapOvr>
 </p:sld>
 </file>
